--- a/Notes Sharing Web Application using Django Framework - Sherbin(4094,JCTCET).pptx
+++ b/Notes Sharing Web Application using Django Framework - Sherbin(4094,JCTCET).pptx
@@ -288,7 +288,7 @@
       </p15:sldGuideLst>
     </p:ext>
     <p:ext uri="http://customooxmlschemas.google.com/">
-      <go:slidesCustomData xmlns="" xmlns:go="http://customooxmlschemas.google.com/" xmlns:p15="http://schemas.microsoft.com/office/powerpoint/2012/main" xmlns:p14="http://schemas.microsoft.com/office/powerpoint/2010/main" xmlns:com="http://schemas.openxmlformats.org/drawingml/2006/compatibility" xmlns:pvml="urn:schemas-microsoft-com:office:powerpoint" xmlns:v="urn:schemas-microsoft-com:vml" xmlns:o="urn:schemas-microsoft-com:office:office" xmlns:dgm="http://schemas.openxmlformats.org/drawingml/2006/diagram" xmlns:c="http://schemas.openxmlformats.org/drawingml/2006/chart" xmlns:mv="urn:schemas-microsoft-com:mac:vml" xmlns:mc="http://schemas.openxmlformats.org/markup-compatibility/2006" r:id="rId220" roundtripDataSignature="AMtx7miWNY2LB4ETJwrL8F0N+EK9hEhqUQ=="/>
+      <go:slidesCustomData xmlns:mc="http://schemas.openxmlformats.org/markup-compatibility/2006" xmlns:mv="urn:schemas-microsoft-com:mac:vml" xmlns:c="http://schemas.openxmlformats.org/drawingml/2006/chart" xmlns:dgm="http://schemas.openxmlformats.org/drawingml/2006/diagram" xmlns:o="urn:schemas-microsoft-com:office:office" xmlns:v="urn:schemas-microsoft-com:vml" xmlns:pvml="urn:schemas-microsoft-com:office:powerpoint" xmlns:com="http://schemas.openxmlformats.org/drawingml/2006/compatibility" xmlns:p14="http://schemas.microsoft.com/office/powerpoint/2010/main" xmlns:p15="http://schemas.microsoft.com/office/powerpoint/2012/main" xmlns:go="http://customooxmlschemas.google.com/" xmlns="" r:id="rId220" roundtripDataSignature="AMtx7miWNY2LB4ETJwrL8F0N+EK9hEhqUQ=="/>
     </p:ext>
   </p:extLst>
 </p:presentation>
@@ -8808,7 +8808,7 @@
           <a:p>
             <a:fld id="{6275EE38-1560-4543-B65C-40BD61BB92F2}" type="datetimeFigureOut">
               <a:rPr lang="en-US" smtClean="0"/>
-              <a:t>4/6/2024</a:t>
+              <a:t>4/10/2024</a:t>
             </a:fld>
             <a:endParaRPr lang="en-US"/>
           </a:p>
@@ -9034,7 +9034,7 @@
           <a:p>
             <a:fld id="{3FD61DA6-D9C3-4FDE-8A87-022315D71125}" type="datetime1">
               <a:rPr lang="en-US" smtClean="0"/>
-              <a:t>4/6/2024</a:t>
+              <a:t>4/10/2024</a:t>
             </a:fld>
             <a:endParaRPr lang="en-US"/>
           </a:p>
@@ -14769,12 +14769,16 @@
               <a:t>Student Name :</a:t>
             </a:r>
             <a:r>
-              <a:rPr lang="en-US" sz="1100" dirty="0">
+              <a:rPr lang="en-US" sz="1100" b="0" i="0" u="none" strike="noStrike" cap="none" dirty="0" err="1">
                 <a:solidFill>
                   <a:schemeClr val="tx1"/>
                 </a:solidFill>
+                <a:latin typeface="Arial"/>
+                <a:ea typeface="Arial"/>
+                <a:cs typeface="Arial"/>
+                <a:sym typeface="Arial"/>
               </a:rPr>
-              <a:t>Sherbin S</a:t>
+              <a:t>harishkrishnan</a:t>
             </a:r>
             <a:endParaRPr lang="en-US" sz="1100" b="0" i="0" u="none" strike="noStrike" cap="none" dirty="0">
               <a:solidFill>
@@ -14823,7 +14827,7 @@
                 <a:cs typeface="Arial"/>
                 <a:sym typeface="Arial"/>
               </a:rPr>
-              <a:t>:720921104094</a:t>
+              <a:t>:720921104302</a:t>
             </a:r>
             <a:endParaRPr lang="en-US" sz="1100" b="0" i="0" u="none" strike="noStrike" cap="none" dirty="0">
               <a:solidFill>
@@ -21943,6 +21947,14 @@
 </file>
 
 <file path=customXml/item1.xml><?xml version="1.0" encoding="utf-8"?>
+<p:properties xmlns:p="http://schemas.microsoft.com/office/2006/metadata/properties" xmlns:xsi="http://www.w3.org/2001/XMLSchema-instance" xmlns:pc="http://schemas.microsoft.com/office/infopath/2007/PartnerControls">
+  <documentManagement>
+    <_activity xmlns="9162bd5b-4ed9-4da3-b376-05204580ba3f" xsi:nil="true"/>
+  </documentManagement>
+</p:properties>
+</file>
+
+<file path=customXml/item2.xml><?xml version="1.0" encoding="utf-8"?>
 <ct:contentTypeSchema xmlns:ct="http://schemas.microsoft.com/office/2006/metadata/contentType" xmlns:ma="http://schemas.microsoft.com/office/2006/metadata/properties/metaAttributes" ct:_="" ma:_="" ma:contentTypeName="Document" ma:contentTypeID="0x0101000F1872188ABCFC48BECA6C87E8AC3285" ma:contentTypeVersion="15" ma:contentTypeDescription="Create a new document." ma:contentTypeScope="" ma:versionID="7670618c03e54fbae4a17ecb2d0ed10f">
   <xsd:schema xmlns:xsd="http://www.w3.org/2001/XMLSchema" xmlns:xs="http://www.w3.org/2001/XMLSchema" xmlns:p="http://schemas.microsoft.com/office/2006/metadata/properties" xmlns:ns3="9162bd5b-4ed9-4da3-b376-05204580ba3f" xmlns:ns4="c0fa2617-96bd-425d-8578-e93563fe37c5" targetNamespace="http://schemas.microsoft.com/office/2006/metadata/properties" ma:root="true" ma:fieldsID="3d63de1c5a217044e31e0c8b260d3d71" ns3:_="" ns4:_="">
     <xsd:import namespace="9162bd5b-4ed9-4da3-b376-05204580ba3f"/>
@@ -22177,14 +22189,6 @@
 </ct:contentTypeSchema>
 </file>
 
-<file path=customXml/item2.xml><?xml version="1.0" encoding="utf-8"?>
-<p:properties xmlns:p="http://schemas.microsoft.com/office/2006/metadata/properties" xmlns:xsi="http://www.w3.org/2001/XMLSchema-instance" xmlns:pc="http://schemas.microsoft.com/office/infopath/2007/PartnerControls">
-  <documentManagement>
-    <_activity xmlns="9162bd5b-4ed9-4da3-b376-05204580ba3f" xsi:nil="true"/>
-  </documentManagement>
-</p:properties>
-</file>
-
 <file path=customXml/item3.xml><?xml version="1.0" encoding="utf-8"?>
 <?mso-contentType ?>
 <FormTemplates xmlns="http://schemas.microsoft.com/sharepoint/v3/contenttype/forms">
@@ -22195,6 +22199,23 @@
 </file>
 
 <file path=customXml/itemProps1.xml><?xml version="1.0" encoding="utf-8"?>
+<ds:datastoreItem xmlns:ds="http://schemas.openxmlformats.org/officeDocument/2006/customXml" ds:itemID="{A6559A34-456E-49A1-8157-9E3D18BFAD36}">
+  <ds:schemaRefs>
+    <ds:schemaRef ds:uri="9162bd5b-4ed9-4da3-b376-05204580ba3f"/>
+    <ds:schemaRef ds:uri="c0fa2617-96bd-425d-8578-e93563fe37c5"/>
+    <ds:schemaRef ds:uri="http://purl.org/dc/dcmitype/"/>
+    <ds:schemaRef ds:uri="http://purl.org/dc/elements/1.1/"/>
+    <ds:schemaRef ds:uri="http://purl.org/dc/terms/"/>
+    <ds:schemaRef ds:uri="http://schemas.microsoft.com/office/2006/documentManagement/types"/>
+    <ds:schemaRef ds:uri="http://schemas.microsoft.com/office/2006/metadata/properties"/>
+    <ds:schemaRef ds:uri="http://schemas.microsoft.com/office/infopath/2007/PartnerControls"/>
+    <ds:schemaRef ds:uri="http://schemas.openxmlformats.org/package/2006/metadata/core-properties"/>
+    <ds:schemaRef ds:uri="http://www.w3.org/XML/1998/namespace"/>
+  </ds:schemaRefs>
+</ds:datastoreItem>
+</file>
+
+<file path=customXml/itemProps2.xml><?xml version="1.0" encoding="utf-8"?>
 <ds:datastoreItem xmlns:ds="http://schemas.openxmlformats.org/officeDocument/2006/customXml" ds:itemID="{7D9E5D5E-A365-4A49-8140-C8CC82A61608}">
   <ds:schemaRefs>
     <ds:schemaRef ds:uri="9162bd5b-4ed9-4da3-b376-05204580ba3f"/>
@@ -22213,23 +22234,6 @@
 </ds:datastoreItem>
 </file>
 
-<file path=customXml/itemProps2.xml><?xml version="1.0" encoding="utf-8"?>
-<ds:datastoreItem xmlns:ds="http://schemas.openxmlformats.org/officeDocument/2006/customXml" ds:itemID="{A6559A34-456E-49A1-8157-9E3D18BFAD36}">
-  <ds:schemaRefs>
-    <ds:schemaRef ds:uri="9162bd5b-4ed9-4da3-b376-05204580ba3f"/>
-    <ds:schemaRef ds:uri="c0fa2617-96bd-425d-8578-e93563fe37c5"/>
-    <ds:schemaRef ds:uri="http://purl.org/dc/dcmitype/"/>
-    <ds:schemaRef ds:uri="http://purl.org/dc/elements/1.1/"/>
-    <ds:schemaRef ds:uri="http://purl.org/dc/terms/"/>
-    <ds:schemaRef ds:uri="http://schemas.microsoft.com/office/2006/documentManagement/types"/>
-    <ds:schemaRef ds:uri="http://schemas.microsoft.com/office/2006/metadata/properties"/>
-    <ds:schemaRef ds:uri="http://schemas.microsoft.com/office/infopath/2007/PartnerControls"/>
-    <ds:schemaRef ds:uri="http://schemas.openxmlformats.org/package/2006/metadata/core-properties"/>
-    <ds:schemaRef ds:uri="http://www.w3.org/XML/1998/namespace"/>
-  </ds:schemaRefs>
-</ds:datastoreItem>
-</file>
-
 <file path=customXml/itemProps3.xml><?xml version="1.0" encoding="utf-8"?>
 <ds:datastoreItem xmlns:ds="http://schemas.openxmlformats.org/officeDocument/2006/customXml" ds:itemID="{3706AB80-2608-47D7-8AC8-FA6BC8A9B27C}">
   <ds:schemaRefs>
